--- a/kickoff presentation.pptx
+++ b/kickoff presentation.pptx
@@ -6120,7 +6120,7 @@
         </p:blipFill>
         <p:spPr>
           <a:xfrm>
-            <a:off x="1636434" y="4701540"/>
+            <a:off x="1644672" y="4931729"/>
             <a:ext cx="3086034" cy="1339822"/>
           </a:xfrm>
           <a:prstGeom prst="rect">
@@ -6144,7 +6144,7 @@
         </p:blipFill>
         <p:spPr>
           <a:xfrm rot="16200000">
-            <a:off x="5381612" y="4245423"/>
+            <a:off x="5398087" y="4475612"/>
             <a:ext cx="1941802" cy="1650076"/>
           </a:xfrm>
           <a:prstGeom prst="rect">
@@ -6431,8 +6431,33 @@
             </a:pPr>
             <a:r>
               <a:rPr lang="en-US" dirty="0" smtClean="0"/>
-              <a:t>In this project we will be analyzing depth videos captured by intel real-sense of people in a variety of ages doing exercise, using image detection methods and pose estimation algorithms, to calculate relevant data for the Age Estimation research.</a:t>
-            </a:r>
+              <a:t>In this project we will be analyzing depth videos captured by intel </a:t>
+            </a:r>
+            <a:r>
+              <a:rPr lang="en-US" dirty="0" smtClean="0"/>
+              <a:t>real-sense</a:t>
+            </a:r>
+            <a:r>
+              <a:rPr lang="he-IL" dirty="0" smtClean="0"/>
+              <a:t> </a:t>
+            </a:r>
+            <a:r>
+              <a:rPr lang="en-US" dirty="0" smtClean="0"/>
+              <a:t>camera where </a:t>
+            </a:r>
+            <a:r>
+              <a:rPr lang="en-US" dirty="0" smtClean="0"/>
+              <a:t>people in a variety of ages doing </a:t>
+            </a:r>
+            <a:r>
+              <a:rPr lang="en-US" dirty="0" smtClean="0"/>
+              <a:t>exercise</a:t>
+            </a:r>
+            <a:r>
+              <a:rPr lang="he-IL" dirty="0" smtClean="0"/>
+              <a:t>.</a:t>
+            </a:r>
+            <a:endParaRPr lang="en-US" dirty="0" smtClean="0"/>
           </a:p>
           <a:p>
             <a:pPr>
@@ -6441,7 +6466,61 @@
             </a:pPr>
             <a:r>
               <a:rPr lang="en-US" dirty="0" smtClean="0"/>
-              <a:t>Our goal is to extract accurate researchable data from the captured videos.</a:t>
+              <a:t>The analyzation includes </a:t>
+            </a:r>
+            <a:r>
+              <a:rPr lang="en-US" dirty="0" smtClean="0"/>
+              <a:t>image detection </a:t>
+            </a:r>
+            <a:r>
+              <a:rPr lang="en-US" dirty="0" smtClean="0"/>
+              <a:t>methods</a:t>
+            </a:r>
+            <a:r>
+              <a:rPr lang="en-US" dirty="0" smtClean="0"/>
+              <a:t>, </a:t>
+            </a:r>
+            <a:r>
+              <a:rPr lang="en-US" dirty="0" smtClean="0"/>
+              <a:t>pose </a:t>
+            </a:r>
+            <a:r>
+              <a:rPr lang="en-US" dirty="0" smtClean="0"/>
+              <a:t>estimation </a:t>
+            </a:r>
+            <a:r>
+              <a:rPr lang="en-US" dirty="0" smtClean="0"/>
+              <a:t>AI, and algebra calculations in order to produce </a:t>
+            </a:r>
+            <a:r>
+              <a:rPr lang="en-US" dirty="0" smtClean="0"/>
+              <a:t>relevant </a:t>
+            </a:r>
+            <a:r>
+              <a:rPr lang="en-US" dirty="0" smtClean="0"/>
+              <a:t>data </a:t>
+            </a:r>
+            <a:r>
+              <a:rPr lang="en-US" dirty="0" smtClean="0"/>
+              <a:t>for the Age Estimation research.</a:t>
+            </a:r>
+          </a:p>
+          <a:p>
+            <a:pPr>
+              <a:buFont typeface="Arial" panose="020B0604020202020204" pitchFamily="34" charset="0"/>
+              <a:buChar char="•"/>
+            </a:pPr>
+            <a:r>
+              <a:rPr lang="en-US" dirty="0" smtClean="0"/>
+              <a:t>Our goal is to extract accurate researchable </a:t>
+            </a:r>
+            <a:r>
+              <a:rPr lang="en-US" dirty="0" smtClean="0"/>
+              <a:t>data </a:t>
+            </a:r>
+            <a:r>
+              <a:rPr lang="en-US" dirty="0" smtClean="0"/>
+              <a:t>from the captured videos.</a:t>
             </a:r>
           </a:p>
           <a:p>
@@ -6658,53 +6737,20 @@
           <a:p>
             <a:r>
               <a:rPr lang="en-US" dirty="0" smtClean="0"/>
-              <a:t>Weeks 1-3: installing environment, tools, </a:t>
-            </a:r>
-            <a:r>
-              <a:rPr lang="en-US" dirty="0" smtClean="0"/>
-              <a:t>algorithms </a:t>
-            </a:r>
-            <a:r>
-              <a:rPr lang="en-US" dirty="0" smtClean="0"/>
-              <a:t>and working on a demo POC. </a:t>
-            </a:r>
-            <a:r>
-              <a:rPr lang="en-US" dirty="0" smtClean="0"/>
-              <a:t/>
+              <a:t>Weeks 1-3: installing environment, tools, algorithms and working on a demo POC. </a:t>
             </a:r>
             <a:br>
               <a:rPr lang="en-US" dirty="0" smtClean="0"/>
             </a:br>
             <a:r>
               <a:rPr lang="en-US" dirty="0" smtClean="0"/>
-              <a:t>Finalizing </a:t>
-            </a:r>
+              <a:t>Finalizing the project specification with the researcher.</a:t>
+            </a:r>
+          </a:p>
+          <a:p>
             <a:r>
               <a:rPr lang="en-US" dirty="0" smtClean="0"/>
-              <a:t>the project specification with </a:t>
-            </a:r>
-            <a:r>
-              <a:rPr lang="en-US" dirty="0" smtClean="0"/>
-              <a:t>the researcher.</a:t>
-            </a:r>
-            <a:endParaRPr lang="en-US" dirty="0" smtClean="0"/>
-          </a:p>
-          <a:p>
-            <a:r>
-              <a:rPr lang="en-US" dirty="0" smtClean="0"/>
-              <a:t>Week 4-6: </a:t>
-            </a:r>
-            <a:r>
-              <a:rPr lang="en-US" dirty="0" smtClean="0"/>
-              <a:t>Building the program and </a:t>
-            </a:r>
-            <a:r>
-              <a:rPr lang="en-US" dirty="0" smtClean="0"/>
-              <a:t>producing the data that is required in the </a:t>
-            </a:r>
-            <a:r>
-              <a:rPr lang="en-US" dirty="0" smtClean="0"/>
-              <a:t>specification.</a:t>
+              <a:t>Week 4-6: Building the program and producing the data that is required in the specification.</a:t>
             </a:r>
             <a:br>
               <a:rPr lang="en-US" dirty="0" smtClean="0"/>
@@ -6713,67 +6759,37 @@
               <a:rPr lang="en-US" dirty="0" smtClean="0"/>
               <a:t>middle presentation.</a:t>
             </a:r>
-            <a:endParaRPr lang="en-US" dirty="0" smtClean="0"/>
           </a:p>
           <a:p>
             <a:r>
               <a:rPr lang="en-US" dirty="0" smtClean="0"/>
-              <a:t>Week 7-8: </a:t>
-            </a:r>
-            <a:r>
-              <a:rPr lang="en-US" dirty="0" smtClean="0"/>
-              <a:t>Comparing and analyzing the output </a:t>
-            </a:r>
-            <a:r>
-              <a:rPr lang="en-US" dirty="0" smtClean="0"/>
-              <a:t>data with expected output data, mastering the analyzation for better results.</a:t>
+              <a:t>Week 7-8: Comparing and analyzing the output data with expected output data, mastering the analyzation for better results.</a:t>
             </a:r>
             <a:br>
               <a:rPr lang="en-US" dirty="0" smtClean="0"/>
             </a:br>
             <a:r>
               <a:rPr lang="en-US" dirty="0" smtClean="0"/>
-              <a:t>Adding </a:t>
-            </a:r>
+              <a:t>Adding new specifications if requested.</a:t>
+            </a:r>
+          </a:p>
+          <a:p>
             <a:r>
               <a:rPr lang="en-US" dirty="0" smtClean="0"/>
-              <a:t>new specifications if requested.</a:t>
-            </a:r>
-            <a:endParaRPr lang="en-US" dirty="0" smtClean="0"/>
+              <a:t>Week 9-12: GUI?</a:t>
+            </a:r>
           </a:p>
           <a:p>
             <a:r>
               <a:rPr lang="en-US" dirty="0" smtClean="0"/>
-              <a:t>Week 9-12</a:t>
-            </a:r>
-            <a:r>
-              <a:rPr lang="en-US" dirty="0" smtClean="0"/>
-              <a:t>: GUI?</a:t>
-            </a:r>
-          </a:p>
-          <a:p>
-            <a:r>
-              <a:rPr lang="en-US" dirty="0" smtClean="0"/>
-              <a:t>Week </a:t>
-            </a:r>
-            <a:r>
-              <a:rPr lang="en-US" dirty="0" smtClean="0"/>
-              <a:t>13-end</a:t>
-            </a:r>
-            <a:r>
-              <a:rPr lang="en-US" dirty="0" smtClean="0"/>
-              <a:t>: Finishing all loose ends.</a:t>
+              <a:t>Week 13-end: Finishing all loose ends.</a:t>
             </a:r>
             <a:br>
               <a:rPr lang="en-US" dirty="0" smtClean="0"/>
             </a:br>
             <a:r>
               <a:rPr lang="en-US" dirty="0" smtClean="0"/>
-              <a:t>end </a:t>
-            </a:r>
-            <a:r>
-              <a:rPr lang="en-US" dirty="0" smtClean="0"/>
-              <a:t>presentation.</a:t>
+              <a:t>end presentation.</a:t>
             </a:r>
             <a:endParaRPr lang="en-US" dirty="0"/>
           </a:p>
@@ -7440,7 +7456,6 @@
               <a:rPr lang="en-US" dirty="0"/>
               <a:t> yielded more accurate result for body skeleton key-points</a:t>
             </a:r>
-            <a:endParaRPr lang="en-US" dirty="0"/>
           </a:p>
         </p:txBody>
       </p:sp>
@@ -7649,7 +7664,6 @@
               <a:rPr lang="en-US" dirty="0"/>
               <a:t>” model:</a:t>
             </a:r>
-            <a:endParaRPr lang="en-US" dirty="0"/>
           </a:p>
         </p:txBody>
       </p:sp>
